--- a/송인동-포트폴리오-신입용.pptx
+++ b/송인동-포트폴리오-신입용.pptx
@@ -25,6 +25,7 @@
     <p:sldId id="263" r:id="rId19"/>
     <p:sldId id="261" r:id="rId20"/>
     <p:sldId id="268" r:id="rId21"/>
+    <p:sldId id="290" r:id="rId22"/>
   </p:sldIdLst>
   <p:sldSz cx="12192000" cy="6858000"/>
   <p:notesSz cx="6858000" cy="9144000"/>
@@ -508,7 +509,7 @@
           <a:p>
             <a:fld id="{6CDD56F1-1412-477A-83BA-771D0B666737}" type="datetimeFigureOut">
               <a:rPr lang="ko-KR" altLang="en-US" smtClean="0"/>
-              <a:t>2024-06-16</a:t>
+              <a:t>2024-07-02</a:t>
             </a:fld>
             <a:endParaRPr lang="ko-KR" altLang="en-US"/>
           </a:p>
@@ -706,7 +707,7 @@
           <a:p>
             <a:fld id="{6CDD56F1-1412-477A-83BA-771D0B666737}" type="datetimeFigureOut">
               <a:rPr lang="ko-KR" altLang="en-US" smtClean="0"/>
-              <a:t>2024-06-16</a:t>
+              <a:t>2024-07-02</a:t>
             </a:fld>
             <a:endParaRPr lang="ko-KR" altLang="en-US"/>
           </a:p>
@@ -914,7 +915,7 @@
           <a:p>
             <a:fld id="{6CDD56F1-1412-477A-83BA-771D0B666737}" type="datetimeFigureOut">
               <a:rPr lang="ko-KR" altLang="en-US" smtClean="0"/>
-              <a:t>2024-06-16</a:t>
+              <a:t>2024-07-02</a:t>
             </a:fld>
             <a:endParaRPr lang="ko-KR" altLang="en-US"/>
           </a:p>
@@ -1112,7 +1113,7 @@
           <a:p>
             <a:fld id="{6CDD56F1-1412-477A-83BA-771D0B666737}" type="datetimeFigureOut">
               <a:rPr lang="ko-KR" altLang="en-US" smtClean="0"/>
-              <a:t>2024-06-16</a:t>
+              <a:t>2024-07-02</a:t>
             </a:fld>
             <a:endParaRPr lang="ko-KR" altLang="en-US"/>
           </a:p>
@@ -1387,7 +1388,7 @@
           <a:p>
             <a:fld id="{6CDD56F1-1412-477A-83BA-771D0B666737}" type="datetimeFigureOut">
               <a:rPr lang="ko-KR" altLang="en-US" smtClean="0"/>
-              <a:t>2024-06-16</a:t>
+              <a:t>2024-07-02</a:t>
             </a:fld>
             <a:endParaRPr lang="ko-KR" altLang="en-US"/>
           </a:p>
@@ -1652,7 +1653,7 @@
           <a:p>
             <a:fld id="{6CDD56F1-1412-477A-83BA-771D0B666737}" type="datetimeFigureOut">
               <a:rPr lang="ko-KR" altLang="en-US" smtClean="0"/>
-              <a:t>2024-06-16</a:t>
+              <a:t>2024-07-02</a:t>
             </a:fld>
             <a:endParaRPr lang="ko-KR" altLang="en-US"/>
           </a:p>
@@ -2064,7 +2065,7 @@
           <a:p>
             <a:fld id="{6CDD56F1-1412-477A-83BA-771D0B666737}" type="datetimeFigureOut">
               <a:rPr lang="ko-KR" altLang="en-US" smtClean="0"/>
-              <a:t>2024-06-16</a:t>
+              <a:t>2024-07-02</a:t>
             </a:fld>
             <a:endParaRPr lang="ko-KR" altLang="en-US"/>
           </a:p>
@@ -2205,7 +2206,7 @@
           <a:p>
             <a:fld id="{6CDD56F1-1412-477A-83BA-771D0B666737}" type="datetimeFigureOut">
               <a:rPr lang="ko-KR" altLang="en-US" smtClean="0"/>
-              <a:t>2024-06-16</a:t>
+              <a:t>2024-07-02</a:t>
             </a:fld>
             <a:endParaRPr lang="ko-KR" altLang="en-US"/>
           </a:p>
@@ -2318,7 +2319,7 @@
           <a:p>
             <a:fld id="{6CDD56F1-1412-477A-83BA-771D0B666737}" type="datetimeFigureOut">
               <a:rPr lang="ko-KR" altLang="en-US" smtClean="0"/>
-              <a:t>2024-06-16</a:t>
+              <a:t>2024-07-02</a:t>
             </a:fld>
             <a:endParaRPr lang="ko-KR" altLang="en-US"/>
           </a:p>
@@ -2629,7 +2630,7 @@
           <a:p>
             <a:fld id="{6CDD56F1-1412-477A-83BA-771D0B666737}" type="datetimeFigureOut">
               <a:rPr lang="ko-KR" altLang="en-US" smtClean="0"/>
-              <a:t>2024-06-16</a:t>
+              <a:t>2024-07-02</a:t>
             </a:fld>
             <a:endParaRPr lang="ko-KR" altLang="en-US"/>
           </a:p>
@@ -2917,7 +2918,7 @@
           <a:p>
             <a:fld id="{6CDD56F1-1412-477A-83BA-771D0B666737}" type="datetimeFigureOut">
               <a:rPr lang="ko-KR" altLang="en-US" smtClean="0"/>
-              <a:t>2024-06-16</a:t>
+              <a:t>2024-07-02</a:t>
             </a:fld>
             <a:endParaRPr lang="ko-KR" altLang="en-US"/>
           </a:p>
@@ -3158,7 +3159,7 @@
           <a:p>
             <a:fld id="{6CDD56F1-1412-477A-83BA-771D0B666737}" type="datetimeFigureOut">
               <a:rPr lang="ko-KR" altLang="en-US" smtClean="0"/>
-              <a:t>2024-06-16</a:t>
+              <a:t>2024-07-02</a:t>
             </a:fld>
             <a:endParaRPr lang="ko-KR" altLang="en-US"/>
           </a:p>
@@ -16256,6 +16257,978 @@
 </p:sld>
 </file>
 
+<file path=ppt/slides/slide21.xml><?xml version="1.0" encoding="utf-8"?>
+<p:sld xmlns:a="http://schemas.openxmlformats.org/drawingml/2006/main" xmlns:r="http://schemas.openxmlformats.org/officeDocument/2006/relationships" xmlns:p="http://schemas.openxmlformats.org/presentationml/2006/main">
+  <p:cSld>
+    <p:spTree>
+      <p:nvGrpSpPr>
+        <p:cNvPr id="1" name=""/>
+        <p:cNvGrpSpPr/>
+        <p:nvPr/>
+      </p:nvGrpSpPr>
+      <p:grpSpPr>
+        <a:xfrm>
+          <a:off x="0" y="0"/>
+          <a:ext cx="0" cy="0"/>
+          <a:chOff x="0" y="0"/>
+          <a:chExt cx="0" cy="0"/>
+        </a:xfrm>
+      </p:grpSpPr>
+      <p:sp>
+        <p:nvSpPr>
+          <p:cNvPr id="4" name="TextBox 3">
+            <a:extLst>
+              <a:ext uri="{FF2B5EF4-FFF2-40B4-BE49-F238E27FC236}">
+                <a16:creationId xmlns:a16="http://schemas.microsoft.com/office/drawing/2014/main" id="{74BF042B-12F5-BBA9-3D36-2D6735E9C520}"/>
+              </a:ext>
+            </a:extLst>
+          </p:cNvPr>
+          <p:cNvSpPr txBox="1"/>
+          <p:nvPr/>
+        </p:nvSpPr>
+        <p:spPr>
+          <a:xfrm>
+            <a:off x="442452" y="491613"/>
+            <a:ext cx="10756490" cy="7386638"/>
+          </a:xfrm>
+          <a:prstGeom prst="rect">
+            <a:avLst/>
+          </a:prstGeom>
+          <a:noFill/>
+        </p:spPr>
+        <p:txBody>
+          <a:bodyPr wrap="square" rtlCol="0">
+            <a:spAutoFit/>
+          </a:bodyPr>
+          <a:lstStyle/>
+          <a:p>
+            <a:pPr marL="0" marR="0" lvl="0" indent="0" algn="l" defTabSz="914400" rtl="0" eaLnBrk="0" fontAlgn="base" latinLnBrk="0" hangingPunct="0">
+              <a:lnSpc>
+                <a:spcPct val="100000"/>
+              </a:lnSpc>
+              <a:spcBef>
+                <a:spcPct val="0"/>
+              </a:spcBef>
+              <a:spcAft>
+                <a:spcPct val="0"/>
+              </a:spcAft>
+              <a:buClrTx/>
+              <a:buSzTx/>
+              <a:buFontTx/>
+              <a:buNone/>
+              <a:tabLst/>
+            </a:pPr>
+            <a:endParaRPr kumimoji="0" lang="ko-KR" altLang="ko-KR" sz="4400" b="0" i="0" u="none" strike="noStrike" cap="none" normalizeH="0" baseline="0">
+              <a:ln>
+                <a:noFill/>
+              </a:ln>
+              <a:solidFill>
+                <a:schemeClr val="tx1"/>
+              </a:solidFill>
+              <a:effectLst/>
+              <a:latin typeface="Arial" panose="020B0604020202020204" pitchFamily="34" charset="0"/>
+            </a:endParaRPr>
+          </a:p>
+          <a:p>
+            <a:pPr marL="0" marR="0" lvl="0" indent="0" algn="l" defTabSz="914400" rtl="0" eaLnBrk="0" fontAlgn="ctr" latinLnBrk="0" hangingPunct="0">
+              <a:lnSpc>
+                <a:spcPct val="100000"/>
+              </a:lnSpc>
+              <a:spcBef>
+                <a:spcPct val="0"/>
+              </a:spcBef>
+              <a:spcAft>
+                <a:spcPct val="0"/>
+              </a:spcAft>
+              <a:buClrTx/>
+              <a:buSzTx/>
+              <a:buFontTx/>
+              <a:buChar char="•"/>
+              <a:tabLst/>
+            </a:pPr>
+            <a:r>
+              <a:rPr kumimoji="0" lang="ko-KR" altLang="ko-KR" sz="2000" b="1" i="0" u="none" strike="noStrike" cap="none" normalizeH="0" baseline="0">
+                <a:ln>
+                  <a:noFill/>
+                </a:ln>
+                <a:solidFill>
+                  <a:srgbClr val="000000"/>
+                </a:solidFill>
+                <a:effectLst/>
+                <a:latin typeface="Arial" panose="020B0604020202020204" pitchFamily="34" charset="0"/>
+                <a:ea typeface="Noto Sans KR"/>
+              </a:rPr>
+              <a:t>2018 지방선거 대구 시의원 선거사무소 홍보담당 팀으로 참여</a:t>
+            </a:r>
+            <a:endParaRPr kumimoji="0" lang="ko-KR" altLang="ko-KR" sz="3200" b="0" i="0" u="none" strike="noStrike" cap="none" normalizeH="0" baseline="0">
+              <a:ln>
+                <a:noFill/>
+              </a:ln>
+              <a:solidFill>
+                <a:srgbClr val="000000"/>
+              </a:solidFill>
+              <a:effectLst/>
+              <a:latin typeface="Arial" panose="020B0604020202020204" pitchFamily="34" charset="0"/>
+              <a:ea typeface="Noto Sans KR"/>
+            </a:endParaRPr>
+          </a:p>
+          <a:p>
+            <a:pPr marL="0" marR="0" lvl="0" indent="0" algn="l" defTabSz="914400" rtl="0" eaLnBrk="0" fontAlgn="ctr" latinLnBrk="0" hangingPunct="0">
+              <a:lnSpc>
+                <a:spcPct val="100000"/>
+              </a:lnSpc>
+              <a:spcBef>
+                <a:spcPct val="0"/>
+              </a:spcBef>
+              <a:spcAft>
+                <a:spcPct val="0"/>
+              </a:spcAft>
+              <a:buClrTx/>
+              <a:buSzTx/>
+              <a:buFontTx/>
+              <a:buNone/>
+              <a:tabLst/>
+            </a:pPr>
+            <a:r>
+              <a:rPr kumimoji="0" lang="ko-KR" altLang="ko-KR" sz="2000" b="0" i="0" u="none" strike="noStrike" cap="none" normalizeH="0" baseline="0">
+                <a:ln>
+                  <a:noFill/>
+                </a:ln>
+                <a:solidFill>
+                  <a:srgbClr val="000000"/>
+                </a:solidFill>
+                <a:effectLst/>
+                <a:latin typeface="Arial" panose="020B0604020202020204" pitchFamily="34" charset="0"/>
+                <a:ea typeface="Noto Sans KR"/>
+              </a:rPr>
+              <a:t>2018.04.30 ~ 2018.07.13대구 시의원 선거사무소홍보전략 및 마케팅담당자</a:t>
+            </a:r>
+            <a:endParaRPr kumimoji="0" lang="ko-KR" altLang="ko-KR" sz="3200" b="0" i="0" u="none" strike="noStrike" cap="none" normalizeH="0" baseline="0">
+              <a:ln>
+                <a:noFill/>
+              </a:ln>
+              <a:solidFill>
+                <a:srgbClr val="000000"/>
+              </a:solidFill>
+              <a:effectLst/>
+              <a:latin typeface="Arial" panose="020B0604020202020204" pitchFamily="34" charset="0"/>
+              <a:ea typeface="Noto Sans KR"/>
+            </a:endParaRPr>
+          </a:p>
+          <a:p>
+            <a:pPr marL="0" marR="0" lvl="0" indent="0" algn="l" defTabSz="914400" rtl="0" eaLnBrk="0" fontAlgn="base" latinLnBrk="0" hangingPunct="0">
+              <a:lnSpc>
+                <a:spcPct val="100000"/>
+              </a:lnSpc>
+              <a:spcBef>
+                <a:spcPct val="0"/>
+              </a:spcBef>
+              <a:spcAft>
+                <a:spcPct val="0"/>
+              </a:spcAft>
+              <a:buClrTx/>
+              <a:buSzTx/>
+              <a:buFontTx/>
+              <a:buNone/>
+              <a:tabLst/>
+            </a:pPr>
+            <a:r>
+              <a:rPr kumimoji="0" lang="ko-KR" altLang="ko-KR" sz="2000" b="0" i="0" u="none" strike="noStrike" cap="none" normalizeH="0" baseline="0">
+                <a:ln>
+                  <a:noFill/>
+                </a:ln>
+                <a:solidFill>
+                  <a:srgbClr val="000000"/>
+                </a:solidFill>
+                <a:effectLst/>
+                <a:latin typeface="Arial" panose="020B0604020202020204" pitchFamily="34" charset="0"/>
+                <a:ea typeface="Noto Sans KR"/>
+              </a:rPr>
+              <a:t>주요역할 :</a:t>
+            </a:r>
+            <a:endParaRPr kumimoji="0" lang="ko-KR" altLang="ko-KR" sz="3200" b="0" i="0" u="none" strike="noStrike" cap="none" normalizeH="0" baseline="0">
+              <a:ln>
+                <a:noFill/>
+              </a:ln>
+              <a:solidFill>
+                <a:srgbClr val="000000"/>
+              </a:solidFill>
+              <a:effectLst/>
+              <a:latin typeface="Arial" panose="020B0604020202020204" pitchFamily="34" charset="0"/>
+              <a:ea typeface="Noto Sans KR"/>
+            </a:endParaRPr>
+          </a:p>
+          <a:p>
+            <a:pPr marL="0" marR="0" lvl="0" indent="0" algn="l" defTabSz="914400" rtl="0" eaLnBrk="0" fontAlgn="base" latinLnBrk="0" hangingPunct="0">
+              <a:lnSpc>
+                <a:spcPct val="100000"/>
+              </a:lnSpc>
+              <a:spcBef>
+                <a:spcPct val="0"/>
+              </a:spcBef>
+              <a:spcAft>
+                <a:spcPct val="0"/>
+              </a:spcAft>
+              <a:buClrTx/>
+              <a:buSzTx/>
+              <a:buFontTx/>
+              <a:buNone/>
+              <a:tabLst/>
+            </a:pPr>
+            <a:r>
+              <a:rPr kumimoji="0" lang="ko-KR" altLang="ko-KR" sz="1800" b="0" i="0" u="none" strike="noStrike" cap="none" normalizeH="0" baseline="0">
+                <a:ln>
+                  <a:noFill/>
+                </a:ln>
+                <a:solidFill>
+                  <a:srgbClr val="777777"/>
+                </a:solidFill>
+                <a:effectLst/>
+                <a:latin typeface="Arial" panose="020B0604020202020204" pitchFamily="34" charset="0"/>
+                <a:ea typeface="Noto Sans KR"/>
+              </a:rPr>
+              <a:t>선거 후보자에 대한 홍보 슬로건 제작과 홍보전화 관리(응답자 데이터를 분류하여 홍보원들의 전화 참여 메뉴얼 제작), ppt와 엑셀을 비롯한 사무업무</a:t>
+            </a:r>
+            <a:endParaRPr kumimoji="0" lang="ko-KR" altLang="ko-KR" sz="3200" b="0" i="0" u="none" strike="noStrike" cap="none" normalizeH="0" baseline="0">
+              <a:ln>
+                <a:noFill/>
+              </a:ln>
+              <a:solidFill>
+                <a:srgbClr val="000000"/>
+              </a:solidFill>
+              <a:effectLst/>
+              <a:latin typeface="Arial" panose="020B0604020202020204" pitchFamily="34" charset="0"/>
+              <a:ea typeface="Noto Sans KR"/>
+            </a:endParaRPr>
+          </a:p>
+          <a:p>
+            <a:pPr marL="0" marR="0" lvl="0" indent="0" algn="l" defTabSz="914400" rtl="0" eaLnBrk="0" fontAlgn="base" latinLnBrk="0" hangingPunct="0">
+              <a:lnSpc>
+                <a:spcPct val="100000"/>
+              </a:lnSpc>
+              <a:spcBef>
+                <a:spcPct val="0"/>
+              </a:spcBef>
+              <a:spcAft>
+                <a:spcPct val="0"/>
+              </a:spcAft>
+              <a:buClrTx/>
+              <a:buSzTx/>
+              <a:buFontTx/>
+              <a:buNone/>
+              <a:tabLst/>
+            </a:pPr>
+            <a:r>
+              <a:rPr kumimoji="0" lang="ko-KR" altLang="ko-KR" sz="2000" b="0" i="0" u="none" strike="noStrike" cap="none" normalizeH="0" baseline="0">
+                <a:ln>
+                  <a:noFill/>
+                </a:ln>
+                <a:solidFill>
+                  <a:srgbClr val="000000"/>
+                </a:solidFill>
+                <a:effectLst/>
+                <a:latin typeface="Arial" panose="020B0604020202020204" pitchFamily="34" charset="0"/>
+                <a:ea typeface="Noto Sans KR"/>
+              </a:rPr>
+              <a:t>업무성과 :</a:t>
+            </a:r>
+            <a:endParaRPr kumimoji="0" lang="ko-KR" altLang="ko-KR" sz="3200" b="0" i="0" u="none" strike="noStrike" cap="none" normalizeH="0" baseline="0">
+              <a:ln>
+                <a:noFill/>
+              </a:ln>
+              <a:solidFill>
+                <a:srgbClr val="000000"/>
+              </a:solidFill>
+              <a:effectLst/>
+              <a:latin typeface="Arial" panose="020B0604020202020204" pitchFamily="34" charset="0"/>
+              <a:ea typeface="Noto Sans KR"/>
+            </a:endParaRPr>
+          </a:p>
+          <a:p>
+            <a:pPr marL="0" marR="0" lvl="0" indent="0" algn="l" defTabSz="914400" rtl="0" eaLnBrk="0" fontAlgn="base" latinLnBrk="0" hangingPunct="0">
+              <a:lnSpc>
+                <a:spcPct val="100000"/>
+              </a:lnSpc>
+              <a:spcBef>
+                <a:spcPct val="0"/>
+              </a:spcBef>
+              <a:spcAft>
+                <a:spcPct val="0"/>
+              </a:spcAft>
+              <a:buClrTx/>
+              <a:buSzTx/>
+              <a:buFontTx/>
+              <a:buNone/>
+              <a:tabLst/>
+            </a:pPr>
+            <a:r>
+              <a:rPr kumimoji="0" lang="ko-KR" altLang="ko-KR" sz="1800" b="0" i="0" u="none" strike="noStrike" cap="none" normalizeH="0" baseline="0">
+                <a:ln>
+                  <a:noFill/>
+                </a:ln>
+                <a:solidFill>
+                  <a:srgbClr val="777777"/>
+                </a:solidFill>
+                <a:effectLst/>
+                <a:latin typeface="Arial" panose="020B0604020202020204" pitchFamily="34" charset="0"/>
+                <a:ea typeface="Noto Sans KR"/>
+              </a:rPr>
+              <a:t>선거사무소의 규모가 작고, 시장과 구청장 선거에 몰려있는 당의 관심에서 비교적 소외되고, 지역에서 오랜 기간 근무하며 나이가 많은 후보자, 선거 경험이 처음인 후보자라는 시의원 지방선거 선거캠프 특성상 후보자에겐 시민을 대상으로 한 홍보 및 응대에서 젊은 감각이 부족하다. 그것은 선거사무소의 구성원에서도 확인해 볼 수 있는데, 많은 시민 명부를 확보할 수 있는 인맥이 많은 조력자와, 선거사무소에서 사무관으로 업무를 진행하는 직원은 나이가 지긋한 베테랑일 경우가 다분하다. 그렇기 때문에 비교적 빠른 사무처리가 가능하고 홍보에 대한 젊은 감각을 가지고 있는 직원으로서 시의원 캠프에서 부족한 부분에 충실히 기여할 수 있게 되었다. 특히 '성서 36.5도 발로 뛰는' 이라는 선거 슬로건 문구를 제작했다. 또한 홍보전략 담당자로서 선거캠프에서 유권자에게 투표독려 전화를 진행할때, 처음 전화를 돌리면서 명단 데이터에 번호를 제공한(선거사무소에 직접 방문하여 방문명단에 적어준) 유권자와, 첫 전화로 접근할 때 반응이 좋지 않았던 유권자의 구별된 특징을 식별했다. 상이한 반응을 반영하여 전화홍보원들이 n차례 전화를 돌릴 때엔 유권자의 전화번호 데이터를 수집했던 방법의 차이마다 다른 응대 메뉴얼을 제작하여 유권자가 각기 다른 멘트로 전화를 받을 수 있도록 진행했다. 나중에 후보자는, 선거명함을 돌릴때 어느 유권자가 자신에게 와서 선거독려 전화멘트에 대한 긍정적인 답변을 해 주었다고 나에게 말씀해 주셨다. 결과적으로 상대 후보를 제치고 후보자는 당선을 이루게 되었다.</a:t>
+            </a:r>
+            <a:endParaRPr kumimoji="0" lang="ko-KR" altLang="ko-KR" sz="3200" b="0" i="0" u="none" strike="noStrike" cap="none" normalizeH="0" baseline="0">
+              <a:ln>
+                <a:noFill/>
+              </a:ln>
+              <a:solidFill>
+                <a:srgbClr val="000000"/>
+              </a:solidFill>
+              <a:effectLst/>
+              <a:latin typeface="Arial" panose="020B0604020202020204" pitchFamily="34" charset="0"/>
+              <a:ea typeface="Noto Sans KR"/>
+            </a:endParaRPr>
+          </a:p>
+          <a:p>
+            <a:pPr marL="0" marR="0" lvl="0" indent="0" algn="l" defTabSz="914400" rtl="0" eaLnBrk="0" fontAlgn="base" latinLnBrk="0" hangingPunct="0">
+              <a:lnSpc>
+                <a:spcPct val="100000"/>
+              </a:lnSpc>
+              <a:spcBef>
+                <a:spcPct val="0"/>
+              </a:spcBef>
+              <a:spcAft>
+                <a:spcPct val="0"/>
+              </a:spcAft>
+              <a:buClrTx/>
+              <a:buSzTx/>
+              <a:buFontTx/>
+              <a:buNone/>
+              <a:tabLst/>
+            </a:pPr>
+            <a:endParaRPr kumimoji="0" lang="ko-KR" altLang="ko-KR" sz="4400" b="0" i="0" u="none" strike="noStrike" cap="none" normalizeH="0" baseline="0" dirty="0">
+              <a:ln>
+                <a:noFill/>
+              </a:ln>
+              <a:solidFill>
+                <a:schemeClr val="tx1"/>
+              </a:solidFill>
+              <a:effectLst/>
+              <a:latin typeface="Arial" panose="020B0604020202020204" pitchFamily="34" charset="0"/>
+            </a:endParaRPr>
+          </a:p>
+        </p:txBody>
+      </p:sp>
+      <p:sp>
+        <p:nvSpPr>
+          <p:cNvPr id="7" name="Rectangle 3">
+            <a:extLst>
+              <a:ext uri="{FF2B5EF4-FFF2-40B4-BE49-F238E27FC236}">
+                <a16:creationId xmlns:a16="http://schemas.microsoft.com/office/drawing/2014/main" id="{6FF0AD15-3650-BA60-B745-2EF565F4BAC9}"/>
+              </a:ext>
+            </a:extLst>
+          </p:cNvPr>
+          <p:cNvSpPr>
+            <a:spLocks noChangeArrowheads="1"/>
+          </p:cNvSpPr>
+          <p:nvPr/>
+        </p:nvSpPr>
+        <p:spPr bwMode="auto">
+          <a:xfrm>
+            <a:off x="0" y="0"/>
+            <a:ext cx="12192000" cy="0"/>
+          </a:xfrm>
+          <a:prstGeom prst="rect">
+            <a:avLst/>
+          </a:prstGeom>
+          <a:solidFill>
+            <a:srgbClr val="FFFFFF"/>
+          </a:solidFill>
+          <a:ln>
+            <a:noFill/>
+          </a:ln>
+          <a:effectLst/>
+          <a:extLst>
+            <a:ext uri="{91240B29-F687-4F45-9708-019B960494DF}">
+              <a14:hiddenLine xmlns:a14="http://schemas.microsoft.com/office/drawing/2010/main" w="9525">
+                <a:solidFill>
+                  <a:schemeClr val="tx1"/>
+                </a:solidFill>
+                <a:miter lim="800000"/>
+                <a:headEnd/>
+                <a:tailEnd/>
+              </a14:hiddenLine>
+            </a:ext>
+            <a:ext uri="{AF507438-7753-43E0-B8FC-AC1667EBCBE1}">
+              <a14:hiddenEffects xmlns:a14="http://schemas.microsoft.com/office/drawing/2010/main">
+                <a:effectLst>
+                  <a:outerShdw dist="35921" dir="2700000" algn="ctr" rotWithShape="0">
+                    <a:schemeClr val="bg2"/>
+                  </a:outerShdw>
+                </a:effectLst>
+              </a14:hiddenEffects>
+            </a:ext>
+          </a:extLst>
+        </p:spPr>
+        <p:txBody>
+          <a:bodyPr vert="horz" wrap="none" lIns="0" tIns="0" rIns="0" bIns="0" numCol="1" anchor="ctr" anchorCtr="0" compatLnSpc="1">
+            <a:prstTxWarp prst="textNoShape">
+              <a:avLst/>
+            </a:prstTxWarp>
+            <a:spAutoFit/>
+          </a:bodyPr>
+          <a:lstStyle/>
+          <a:p>
+            <a:pPr marL="0" marR="0" lvl="0" indent="0" algn="l" defTabSz="914400" rtl="0" eaLnBrk="0" fontAlgn="base" latinLnBrk="0" hangingPunct="0">
+              <a:lnSpc>
+                <a:spcPct val="100000"/>
+              </a:lnSpc>
+              <a:spcBef>
+                <a:spcPct val="0"/>
+              </a:spcBef>
+              <a:spcAft>
+                <a:spcPct val="0"/>
+              </a:spcAft>
+              <a:buClrTx/>
+              <a:buSzTx/>
+              <a:buFontTx/>
+              <a:buNone/>
+              <a:tabLst/>
+            </a:pPr>
+            <a:endParaRPr kumimoji="0" lang="ko-KR" altLang="ko-KR" sz="1800" b="0" i="0" u="none" strike="noStrike" cap="none" normalizeH="0" baseline="0" dirty="0">
+              <a:ln>
+                <a:noFill/>
+              </a:ln>
+              <a:solidFill>
+                <a:schemeClr val="tx1"/>
+              </a:solidFill>
+              <a:effectLst/>
+              <a:latin typeface="Arial" panose="020B0604020202020204" pitchFamily="34" charset="0"/>
+            </a:endParaRPr>
+          </a:p>
+          <a:p>
+            <a:pPr marL="0" marR="0" lvl="0" indent="0" algn="l" defTabSz="914400" rtl="0" eaLnBrk="0" fontAlgn="ctr" latinLnBrk="0" hangingPunct="0">
+              <a:lnSpc>
+                <a:spcPct val="100000"/>
+              </a:lnSpc>
+              <a:spcBef>
+                <a:spcPct val="0"/>
+              </a:spcBef>
+              <a:spcAft>
+                <a:spcPct val="0"/>
+              </a:spcAft>
+              <a:buClrTx/>
+              <a:buSzTx/>
+              <a:buFontTx/>
+              <a:buChar char="•"/>
+              <a:tabLst/>
+            </a:pPr>
+            <a:r>
+              <a:rPr kumimoji="0" lang="ko-KR" altLang="ko-KR" sz="1000" b="1" i="0" u="none" strike="noStrike" cap="none" normalizeH="0" baseline="0" dirty="0">
+                <a:ln>
+                  <a:noFill/>
+                </a:ln>
+                <a:solidFill>
+                  <a:srgbClr val="000000"/>
+                </a:solidFill>
+                <a:effectLst/>
+                <a:latin typeface="Arial" panose="020B0604020202020204" pitchFamily="34" charset="0"/>
+                <a:ea typeface="Noto Sans KR"/>
+              </a:rPr>
+              <a:t>2018 지방선거 대구 시의원 선거사무소 홍보담당 팀으로 참여</a:t>
+            </a:r>
+            <a:endParaRPr kumimoji="0" lang="ko-KR" altLang="ko-KR" sz="1200" b="0" i="0" u="none" strike="noStrike" cap="none" normalizeH="0" baseline="0" dirty="0">
+              <a:ln>
+                <a:noFill/>
+              </a:ln>
+              <a:solidFill>
+                <a:srgbClr val="000000"/>
+              </a:solidFill>
+              <a:effectLst/>
+              <a:latin typeface="Arial" panose="020B0604020202020204" pitchFamily="34" charset="0"/>
+              <a:ea typeface="Noto Sans KR"/>
+            </a:endParaRPr>
+          </a:p>
+          <a:p>
+            <a:pPr marL="0" marR="0" lvl="0" indent="0" algn="l" defTabSz="914400" rtl="0" eaLnBrk="0" fontAlgn="ctr" latinLnBrk="0" hangingPunct="0">
+              <a:lnSpc>
+                <a:spcPct val="100000"/>
+              </a:lnSpc>
+              <a:spcBef>
+                <a:spcPct val="0"/>
+              </a:spcBef>
+              <a:spcAft>
+                <a:spcPct val="0"/>
+              </a:spcAft>
+              <a:buClrTx/>
+              <a:buSzTx/>
+              <a:buFontTx/>
+              <a:buNone/>
+              <a:tabLst/>
+            </a:pPr>
+            <a:r>
+              <a:rPr kumimoji="0" lang="ko-KR" altLang="ko-KR" sz="1000" b="0" i="0" u="none" strike="noStrike" cap="none" normalizeH="0" baseline="0" dirty="0">
+                <a:ln>
+                  <a:noFill/>
+                </a:ln>
+                <a:solidFill>
+                  <a:srgbClr val="000000"/>
+                </a:solidFill>
+                <a:effectLst/>
+                <a:latin typeface="Arial" panose="020B0604020202020204" pitchFamily="34" charset="0"/>
+                <a:ea typeface="Noto Sans KR"/>
+              </a:rPr>
+              <a:t>2018.04.30 ~ 2018.07.13대구 시의원 선거사무소홍보전략 및 마케팅담당자</a:t>
+            </a:r>
+            <a:endParaRPr kumimoji="0" lang="ko-KR" altLang="ko-KR" sz="1200" b="0" i="0" u="none" strike="noStrike" cap="none" normalizeH="0" baseline="0" dirty="0">
+              <a:ln>
+                <a:noFill/>
+              </a:ln>
+              <a:solidFill>
+                <a:srgbClr val="000000"/>
+              </a:solidFill>
+              <a:effectLst/>
+              <a:latin typeface="Arial" panose="020B0604020202020204" pitchFamily="34" charset="0"/>
+              <a:ea typeface="Noto Sans KR"/>
+            </a:endParaRPr>
+          </a:p>
+          <a:p>
+            <a:pPr marL="0" marR="0" lvl="0" indent="0" algn="l" defTabSz="914400" rtl="0" eaLnBrk="0" fontAlgn="base" latinLnBrk="0" hangingPunct="0">
+              <a:lnSpc>
+                <a:spcPct val="100000"/>
+              </a:lnSpc>
+              <a:spcBef>
+                <a:spcPct val="0"/>
+              </a:spcBef>
+              <a:spcAft>
+                <a:spcPct val="0"/>
+              </a:spcAft>
+              <a:buClrTx/>
+              <a:buSzTx/>
+              <a:buFontTx/>
+              <a:buNone/>
+              <a:tabLst/>
+            </a:pPr>
+            <a:r>
+              <a:rPr kumimoji="0" lang="ko-KR" altLang="ko-KR" sz="1000" b="0" i="0" u="none" strike="noStrike" cap="none" normalizeH="0" baseline="0" dirty="0">
+                <a:ln>
+                  <a:noFill/>
+                </a:ln>
+                <a:solidFill>
+                  <a:srgbClr val="000000"/>
+                </a:solidFill>
+                <a:effectLst/>
+                <a:latin typeface="Arial" panose="020B0604020202020204" pitchFamily="34" charset="0"/>
+                <a:ea typeface="Noto Sans KR"/>
+              </a:rPr>
+              <a:t>주요역할 :</a:t>
+            </a:r>
+            <a:endParaRPr kumimoji="0" lang="ko-KR" altLang="ko-KR" sz="1200" b="0" i="0" u="none" strike="noStrike" cap="none" normalizeH="0" baseline="0" dirty="0">
+              <a:ln>
+                <a:noFill/>
+              </a:ln>
+              <a:solidFill>
+                <a:srgbClr val="000000"/>
+              </a:solidFill>
+              <a:effectLst/>
+              <a:latin typeface="Arial" panose="020B0604020202020204" pitchFamily="34" charset="0"/>
+              <a:ea typeface="Noto Sans KR"/>
+            </a:endParaRPr>
+          </a:p>
+          <a:p>
+            <a:pPr marL="0" marR="0" lvl="0" indent="0" algn="l" defTabSz="914400" rtl="0" eaLnBrk="0" fontAlgn="base" latinLnBrk="0" hangingPunct="0">
+              <a:lnSpc>
+                <a:spcPct val="100000"/>
+              </a:lnSpc>
+              <a:spcBef>
+                <a:spcPct val="0"/>
+              </a:spcBef>
+              <a:spcAft>
+                <a:spcPct val="0"/>
+              </a:spcAft>
+              <a:buClrTx/>
+              <a:buSzTx/>
+              <a:buFontTx/>
+              <a:buNone/>
+              <a:tabLst/>
+            </a:pPr>
+            <a:r>
+              <a:rPr kumimoji="0" lang="ko-KR" altLang="ko-KR" sz="900" b="0" i="0" u="none" strike="noStrike" cap="none" normalizeH="0" baseline="0" dirty="0">
+                <a:ln>
+                  <a:noFill/>
+                </a:ln>
+                <a:solidFill>
+                  <a:srgbClr val="777777"/>
+                </a:solidFill>
+                <a:effectLst/>
+                <a:latin typeface="Arial" panose="020B0604020202020204" pitchFamily="34" charset="0"/>
+                <a:ea typeface="Noto Sans KR"/>
+              </a:rPr>
+              <a:t>선거 후보자에 대한 홍보 슬로건 제작과 홍보전화 관리(응답자 데이터를 분류하여 홍보원들의 전화 참여 메뉴얼 제작), </a:t>
+            </a:r>
+            <a:r>
+              <a:rPr kumimoji="0" lang="ko-KR" altLang="ko-KR" sz="900" b="0" i="0" u="none" strike="noStrike" cap="none" normalizeH="0" baseline="0" dirty="0" err="1">
+                <a:ln>
+                  <a:noFill/>
+                </a:ln>
+                <a:solidFill>
+                  <a:srgbClr val="777777"/>
+                </a:solidFill>
+                <a:effectLst/>
+                <a:latin typeface="Arial" panose="020B0604020202020204" pitchFamily="34" charset="0"/>
+                <a:ea typeface="Noto Sans KR"/>
+              </a:rPr>
+              <a:t>ppt와</a:t>
+            </a:r>
+            <a:r>
+              <a:rPr kumimoji="0" lang="ko-KR" altLang="ko-KR" sz="900" b="0" i="0" u="none" strike="noStrike" cap="none" normalizeH="0" baseline="0" dirty="0">
+                <a:ln>
+                  <a:noFill/>
+                </a:ln>
+                <a:solidFill>
+                  <a:srgbClr val="777777"/>
+                </a:solidFill>
+                <a:effectLst/>
+                <a:latin typeface="Arial" panose="020B0604020202020204" pitchFamily="34" charset="0"/>
+                <a:ea typeface="Noto Sans KR"/>
+              </a:rPr>
+              <a:t> 엑셀을 비롯한 사무업무</a:t>
+            </a:r>
+            <a:endParaRPr kumimoji="0" lang="ko-KR" altLang="ko-KR" sz="1200" b="0" i="0" u="none" strike="noStrike" cap="none" normalizeH="0" baseline="0" dirty="0">
+              <a:ln>
+                <a:noFill/>
+              </a:ln>
+              <a:solidFill>
+                <a:srgbClr val="000000"/>
+              </a:solidFill>
+              <a:effectLst/>
+              <a:latin typeface="Arial" panose="020B0604020202020204" pitchFamily="34" charset="0"/>
+              <a:ea typeface="Noto Sans KR"/>
+            </a:endParaRPr>
+          </a:p>
+          <a:p>
+            <a:pPr marL="0" marR="0" lvl="0" indent="0" algn="l" defTabSz="914400" rtl="0" eaLnBrk="0" fontAlgn="base" latinLnBrk="0" hangingPunct="0">
+              <a:lnSpc>
+                <a:spcPct val="100000"/>
+              </a:lnSpc>
+              <a:spcBef>
+                <a:spcPct val="0"/>
+              </a:spcBef>
+              <a:spcAft>
+                <a:spcPct val="0"/>
+              </a:spcAft>
+              <a:buClrTx/>
+              <a:buSzTx/>
+              <a:buFontTx/>
+              <a:buNone/>
+              <a:tabLst/>
+            </a:pPr>
+            <a:r>
+              <a:rPr kumimoji="0" lang="ko-KR" altLang="ko-KR" sz="1000" b="0" i="0" u="none" strike="noStrike" cap="none" normalizeH="0" baseline="0" dirty="0">
+                <a:ln>
+                  <a:noFill/>
+                </a:ln>
+                <a:solidFill>
+                  <a:srgbClr val="000000"/>
+                </a:solidFill>
+                <a:effectLst/>
+                <a:latin typeface="Arial" panose="020B0604020202020204" pitchFamily="34" charset="0"/>
+                <a:ea typeface="Noto Sans KR"/>
+              </a:rPr>
+              <a:t>업무성과 :</a:t>
+            </a:r>
+            <a:endParaRPr kumimoji="0" lang="ko-KR" altLang="ko-KR" sz="1200" b="0" i="0" u="none" strike="noStrike" cap="none" normalizeH="0" baseline="0" dirty="0">
+              <a:ln>
+                <a:noFill/>
+              </a:ln>
+              <a:solidFill>
+                <a:srgbClr val="000000"/>
+              </a:solidFill>
+              <a:effectLst/>
+              <a:latin typeface="Arial" panose="020B0604020202020204" pitchFamily="34" charset="0"/>
+              <a:ea typeface="Noto Sans KR"/>
+            </a:endParaRPr>
+          </a:p>
+          <a:p>
+            <a:pPr marL="0" marR="0" lvl="0" indent="0" algn="l" defTabSz="914400" rtl="0" eaLnBrk="0" fontAlgn="base" latinLnBrk="0" hangingPunct="0">
+              <a:lnSpc>
+                <a:spcPct val="100000"/>
+              </a:lnSpc>
+              <a:spcBef>
+                <a:spcPct val="0"/>
+              </a:spcBef>
+              <a:spcAft>
+                <a:spcPct val="0"/>
+              </a:spcAft>
+              <a:buClrTx/>
+              <a:buSzTx/>
+              <a:buFontTx/>
+              <a:buNone/>
+              <a:tabLst/>
+            </a:pPr>
+            <a:r>
+              <a:rPr kumimoji="0" lang="ko-KR" altLang="ko-KR" sz="900" b="0" i="0" u="none" strike="noStrike" cap="none" normalizeH="0" baseline="0" dirty="0">
+                <a:ln>
+                  <a:noFill/>
+                </a:ln>
+                <a:solidFill>
+                  <a:srgbClr val="777777"/>
+                </a:solidFill>
+                <a:effectLst/>
+                <a:latin typeface="Arial" panose="020B0604020202020204" pitchFamily="34" charset="0"/>
+                <a:ea typeface="Noto Sans KR"/>
+              </a:rPr>
+              <a:t>선거사무소의 규모가 작고, 시장과 구청장 선거에 </a:t>
+            </a:r>
+            <a:r>
+              <a:rPr kumimoji="0" lang="ko-KR" altLang="ko-KR" sz="900" b="0" i="0" u="none" strike="noStrike" cap="none" normalizeH="0" baseline="0" dirty="0" err="1">
+                <a:ln>
+                  <a:noFill/>
+                </a:ln>
+                <a:solidFill>
+                  <a:srgbClr val="777777"/>
+                </a:solidFill>
+                <a:effectLst/>
+                <a:latin typeface="Arial" panose="020B0604020202020204" pitchFamily="34" charset="0"/>
+                <a:ea typeface="Noto Sans KR"/>
+              </a:rPr>
+              <a:t>몰려있는</a:t>
+            </a:r>
+            <a:r>
+              <a:rPr kumimoji="0" lang="ko-KR" altLang="ko-KR" sz="900" b="0" i="0" u="none" strike="noStrike" cap="none" normalizeH="0" baseline="0" dirty="0">
+                <a:ln>
+                  <a:noFill/>
+                </a:ln>
+                <a:solidFill>
+                  <a:srgbClr val="777777"/>
+                </a:solidFill>
+                <a:effectLst/>
+                <a:latin typeface="Arial" panose="020B0604020202020204" pitchFamily="34" charset="0"/>
+                <a:ea typeface="Noto Sans KR"/>
+              </a:rPr>
+              <a:t> 당의 관심에서 비교적 소외되고, 지역에서 오랜 기간 근무하며 나이가 많은 후보자, 선거 경험이 처음인 후보자라는 시의원 지방선거 선거캠프 특성상 후보자에겐 시민을 대상으로 한 홍보 및 응대에서 젊은 감각이 부족하다. 그것은 선거사무소의 구성원에서도 확인해 볼 수 있는데, 많은 시민 명부를 확보할 수 있는 인맥이 많은 조력자와, 선거사무소에서 사무관으로 업무를 진행하는 직원은 나이가 지긋한 베테랑일 경우가 다분하다. 그렇기 때문에 비교적 빠른 사무처리가 가능하고 홍보에 대한 젊은 감각을 가지고 있는 직원으로서 시의원 캠프에서 부족한 부분에 충실히 기여할 수 있게 되었다. 특히 '성서 36.5도 발로 뛰는' 이라는 선거 슬로건 문구를 제작했다. 또한 홍보전략 담당자로서 선거캠프에서 유권자에게 </a:t>
+            </a:r>
+            <a:r>
+              <a:rPr kumimoji="0" lang="ko-KR" altLang="ko-KR" sz="900" b="0" i="0" u="none" strike="noStrike" cap="none" normalizeH="0" baseline="0" dirty="0" err="1">
+                <a:ln>
+                  <a:noFill/>
+                </a:ln>
+                <a:solidFill>
+                  <a:srgbClr val="777777"/>
+                </a:solidFill>
+                <a:effectLst/>
+                <a:latin typeface="Arial" panose="020B0604020202020204" pitchFamily="34" charset="0"/>
+                <a:ea typeface="Noto Sans KR"/>
+              </a:rPr>
+              <a:t>투표독려</a:t>
+            </a:r>
+            <a:r>
+              <a:rPr kumimoji="0" lang="ko-KR" altLang="ko-KR" sz="900" b="0" i="0" u="none" strike="noStrike" cap="none" normalizeH="0" baseline="0" dirty="0">
+                <a:ln>
+                  <a:noFill/>
+                </a:ln>
+                <a:solidFill>
+                  <a:srgbClr val="777777"/>
+                </a:solidFill>
+                <a:effectLst/>
+                <a:latin typeface="Arial" panose="020B0604020202020204" pitchFamily="34" charset="0"/>
+                <a:ea typeface="Noto Sans KR"/>
+              </a:rPr>
+              <a:t> 전화를 </a:t>
+            </a:r>
+            <a:r>
+              <a:rPr kumimoji="0" lang="ko-KR" altLang="ko-KR" sz="900" b="0" i="0" u="none" strike="noStrike" cap="none" normalizeH="0" baseline="0" dirty="0" err="1">
+                <a:ln>
+                  <a:noFill/>
+                </a:ln>
+                <a:solidFill>
+                  <a:srgbClr val="777777"/>
+                </a:solidFill>
+                <a:effectLst/>
+                <a:latin typeface="Arial" panose="020B0604020202020204" pitchFamily="34" charset="0"/>
+                <a:ea typeface="Noto Sans KR"/>
+              </a:rPr>
+              <a:t>진행할때</a:t>
+            </a:r>
+            <a:r>
+              <a:rPr kumimoji="0" lang="ko-KR" altLang="ko-KR" sz="900" b="0" i="0" u="none" strike="noStrike" cap="none" normalizeH="0" baseline="0" dirty="0">
+                <a:ln>
+                  <a:noFill/>
+                </a:ln>
+                <a:solidFill>
+                  <a:srgbClr val="777777"/>
+                </a:solidFill>
+                <a:effectLst/>
+                <a:latin typeface="Arial" panose="020B0604020202020204" pitchFamily="34" charset="0"/>
+                <a:ea typeface="Noto Sans KR"/>
+              </a:rPr>
+              <a:t>, 처음 전화를 돌리면서 명단 데이터에 번호를 제공한(선거사무소에 직접 방문하여 방문명단에 적어준) 유권자와, 첫 전화로 접근할 때 반응이 좋지 않았던 유권자의 구별된 특징을 식별했다. 상이한 반응을 반영하여 전화홍보원들이 </a:t>
+            </a:r>
+            <a:r>
+              <a:rPr kumimoji="0" lang="ko-KR" altLang="ko-KR" sz="900" b="0" i="0" u="none" strike="noStrike" cap="none" normalizeH="0" baseline="0" dirty="0" err="1">
+                <a:ln>
+                  <a:noFill/>
+                </a:ln>
+                <a:solidFill>
+                  <a:srgbClr val="777777"/>
+                </a:solidFill>
+                <a:effectLst/>
+                <a:latin typeface="Arial" panose="020B0604020202020204" pitchFamily="34" charset="0"/>
+                <a:ea typeface="Noto Sans KR"/>
+              </a:rPr>
+              <a:t>n차례</a:t>
+            </a:r>
+            <a:r>
+              <a:rPr kumimoji="0" lang="ko-KR" altLang="ko-KR" sz="900" b="0" i="0" u="none" strike="noStrike" cap="none" normalizeH="0" baseline="0" dirty="0">
+                <a:ln>
+                  <a:noFill/>
+                </a:ln>
+                <a:solidFill>
+                  <a:srgbClr val="777777"/>
+                </a:solidFill>
+                <a:effectLst/>
+                <a:latin typeface="Arial" panose="020B0604020202020204" pitchFamily="34" charset="0"/>
+                <a:ea typeface="Noto Sans KR"/>
+              </a:rPr>
+              <a:t> 전화를 돌릴 때엔 유권자의 전화번호 데이터를 수집했던 방법의 차이마다 다른 응대 메뉴얼을 제작하여 유권자가 각기 다른 멘트로 전화를 받을 수 있도록 진행했다. 나중에 후보자는, 선거명함을 </a:t>
+            </a:r>
+            <a:r>
+              <a:rPr kumimoji="0" lang="ko-KR" altLang="ko-KR" sz="900" b="0" i="0" u="none" strike="noStrike" cap="none" normalizeH="0" baseline="0" dirty="0" err="1">
+                <a:ln>
+                  <a:noFill/>
+                </a:ln>
+                <a:solidFill>
+                  <a:srgbClr val="777777"/>
+                </a:solidFill>
+                <a:effectLst/>
+                <a:latin typeface="Arial" panose="020B0604020202020204" pitchFamily="34" charset="0"/>
+                <a:ea typeface="Noto Sans KR"/>
+              </a:rPr>
+              <a:t>돌릴때</a:t>
+            </a:r>
+            <a:r>
+              <a:rPr kumimoji="0" lang="ko-KR" altLang="ko-KR" sz="900" b="0" i="0" u="none" strike="noStrike" cap="none" normalizeH="0" baseline="0" dirty="0">
+                <a:ln>
+                  <a:noFill/>
+                </a:ln>
+                <a:solidFill>
+                  <a:srgbClr val="777777"/>
+                </a:solidFill>
+                <a:effectLst/>
+                <a:latin typeface="Arial" panose="020B0604020202020204" pitchFamily="34" charset="0"/>
+                <a:ea typeface="Noto Sans KR"/>
+              </a:rPr>
+              <a:t> 어느 유권자가 자신에게 와서 </a:t>
+            </a:r>
+            <a:r>
+              <a:rPr kumimoji="0" lang="ko-KR" altLang="ko-KR" sz="900" b="0" i="0" u="none" strike="noStrike" cap="none" normalizeH="0" baseline="0" dirty="0" err="1">
+                <a:ln>
+                  <a:noFill/>
+                </a:ln>
+                <a:solidFill>
+                  <a:srgbClr val="777777"/>
+                </a:solidFill>
+                <a:effectLst/>
+                <a:latin typeface="Arial" panose="020B0604020202020204" pitchFamily="34" charset="0"/>
+                <a:ea typeface="Noto Sans KR"/>
+              </a:rPr>
+              <a:t>선거독려</a:t>
+            </a:r>
+            <a:r>
+              <a:rPr kumimoji="0" lang="ko-KR" altLang="ko-KR" sz="900" b="0" i="0" u="none" strike="noStrike" cap="none" normalizeH="0" baseline="0" dirty="0">
+                <a:ln>
+                  <a:noFill/>
+                </a:ln>
+                <a:solidFill>
+                  <a:srgbClr val="777777"/>
+                </a:solidFill>
+                <a:effectLst/>
+                <a:latin typeface="Arial" panose="020B0604020202020204" pitchFamily="34" charset="0"/>
+                <a:ea typeface="Noto Sans KR"/>
+              </a:rPr>
+              <a:t> </a:t>
+            </a:r>
+            <a:r>
+              <a:rPr kumimoji="0" lang="ko-KR" altLang="ko-KR" sz="900" b="0" i="0" u="none" strike="noStrike" cap="none" normalizeH="0" baseline="0" dirty="0" err="1">
+                <a:ln>
+                  <a:noFill/>
+                </a:ln>
+                <a:solidFill>
+                  <a:srgbClr val="777777"/>
+                </a:solidFill>
+                <a:effectLst/>
+                <a:latin typeface="Arial" panose="020B0604020202020204" pitchFamily="34" charset="0"/>
+                <a:ea typeface="Noto Sans KR"/>
+              </a:rPr>
+              <a:t>전화멘트에</a:t>
+            </a:r>
+            <a:r>
+              <a:rPr kumimoji="0" lang="ko-KR" altLang="ko-KR" sz="900" b="0" i="0" u="none" strike="noStrike" cap="none" normalizeH="0" baseline="0" dirty="0">
+                <a:ln>
+                  <a:noFill/>
+                </a:ln>
+                <a:solidFill>
+                  <a:srgbClr val="777777"/>
+                </a:solidFill>
+                <a:effectLst/>
+                <a:latin typeface="Arial" panose="020B0604020202020204" pitchFamily="34" charset="0"/>
+                <a:ea typeface="Noto Sans KR"/>
+              </a:rPr>
+              <a:t> 대한 긍정적인 답변을 해 주었다고 나에게 말씀해 주셨다. 결과적으로 상대 후보를 제치고 후보자는 당선을 이루게 되었다.</a:t>
+            </a:r>
+            <a:endParaRPr kumimoji="0" lang="ko-KR" altLang="ko-KR" sz="1200" b="0" i="0" u="none" strike="noStrike" cap="none" normalizeH="0" baseline="0" dirty="0">
+              <a:ln>
+                <a:noFill/>
+              </a:ln>
+              <a:solidFill>
+                <a:srgbClr val="000000"/>
+              </a:solidFill>
+              <a:effectLst/>
+              <a:latin typeface="Arial" panose="020B0604020202020204" pitchFamily="34" charset="0"/>
+              <a:ea typeface="Noto Sans KR"/>
+            </a:endParaRPr>
+          </a:p>
+          <a:p>
+            <a:pPr marL="0" marR="0" lvl="0" indent="0" algn="l" defTabSz="914400" rtl="0" eaLnBrk="0" fontAlgn="base" latinLnBrk="0" hangingPunct="0">
+              <a:lnSpc>
+                <a:spcPct val="100000"/>
+              </a:lnSpc>
+              <a:spcBef>
+                <a:spcPct val="0"/>
+              </a:spcBef>
+              <a:spcAft>
+                <a:spcPct val="0"/>
+              </a:spcAft>
+              <a:buClrTx/>
+              <a:buSzTx/>
+              <a:buFontTx/>
+              <a:buNone/>
+              <a:tabLst/>
+            </a:pPr>
+            <a:endParaRPr kumimoji="0" lang="ko-KR" altLang="ko-KR" sz="1800" b="0" i="0" u="none" strike="noStrike" cap="none" normalizeH="0" baseline="0" dirty="0">
+              <a:ln>
+                <a:noFill/>
+              </a:ln>
+              <a:solidFill>
+                <a:schemeClr val="tx1"/>
+              </a:solidFill>
+              <a:effectLst/>
+              <a:latin typeface="Arial" panose="020B0604020202020204" pitchFamily="34" charset="0"/>
+            </a:endParaRPr>
+          </a:p>
+        </p:txBody>
+      </p:sp>
+    </p:spTree>
+    <p:extLst>
+      <p:ext uri="{BB962C8B-B14F-4D97-AF65-F5344CB8AC3E}">
+        <p14:creationId xmlns:p14="http://schemas.microsoft.com/office/powerpoint/2010/main" val="4074904716"/>
+      </p:ext>
+    </p:extLst>
+  </p:cSld>
+  <p:clrMapOvr>
+    <a:masterClrMapping/>
+  </p:clrMapOvr>
+</p:sld>
+</file>
+
 <file path=ppt/slides/slide3.xml><?xml version="1.0" encoding="utf-8"?>
 <p:sld xmlns:a="http://schemas.openxmlformats.org/drawingml/2006/main" xmlns:r="http://schemas.openxmlformats.org/officeDocument/2006/relationships" xmlns:p="http://schemas.openxmlformats.org/presentationml/2006/main">
   <p:cSld>

--- a/송인동-포트폴리오-신입용.pptx
+++ b/송인동-포트폴리오-신입용.pptx
@@ -509,7 +509,7 @@
           <a:p>
             <a:fld id="{6CDD56F1-1412-477A-83BA-771D0B666737}" type="datetimeFigureOut">
               <a:rPr lang="ko-KR" altLang="en-US" smtClean="0"/>
-              <a:t>2024-07-02</a:t>
+              <a:t>2024-07-03</a:t>
             </a:fld>
             <a:endParaRPr lang="ko-KR" altLang="en-US"/>
           </a:p>
@@ -707,7 +707,7 @@
           <a:p>
             <a:fld id="{6CDD56F1-1412-477A-83BA-771D0B666737}" type="datetimeFigureOut">
               <a:rPr lang="ko-KR" altLang="en-US" smtClean="0"/>
-              <a:t>2024-07-02</a:t>
+              <a:t>2024-07-03</a:t>
             </a:fld>
             <a:endParaRPr lang="ko-KR" altLang="en-US"/>
           </a:p>
@@ -915,7 +915,7 @@
           <a:p>
             <a:fld id="{6CDD56F1-1412-477A-83BA-771D0B666737}" type="datetimeFigureOut">
               <a:rPr lang="ko-KR" altLang="en-US" smtClean="0"/>
-              <a:t>2024-07-02</a:t>
+              <a:t>2024-07-03</a:t>
             </a:fld>
             <a:endParaRPr lang="ko-KR" altLang="en-US"/>
           </a:p>
@@ -1113,7 +1113,7 @@
           <a:p>
             <a:fld id="{6CDD56F1-1412-477A-83BA-771D0B666737}" type="datetimeFigureOut">
               <a:rPr lang="ko-KR" altLang="en-US" smtClean="0"/>
-              <a:t>2024-07-02</a:t>
+              <a:t>2024-07-03</a:t>
             </a:fld>
             <a:endParaRPr lang="ko-KR" altLang="en-US"/>
           </a:p>
@@ -1388,7 +1388,7 @@
           <a:p>
             <a:fld id="{6CDD56F1-1412-477A-83BA-771D0B666737}" type="datetimeFigureOut">
               <a:rPr lang="ko-KR" altLang="en-US" smtClean="0"/>
-              <a:t>2024-07-02</a:t>
+              <a:t>2024-07-03</a:t>
             </a:fld>
             <a:endParaRPr lang="ko-KR" altLang="en-US"/>
           </a:p>
@@ -1653,7 +1653,7 @@
           <a:p>
             <a:fld id="{6CDD56F1-1412-477A-83BA-771D0B666737}" type="datetimeFigureOut">
               <a:rPr lang="ko-KR" altLang="en-US" smtClean="0"/>
-              <a:t>2024-07-02</a:t>
+              <a:t>2024-07-03</a:t>
             </a:fld>
             <a:endParaRPr lang="ko-KR" altLang="en-US"/>
           </a:p>
@@ -2065,7 +2065,7 @@
           <a:p>
             <a:fld id="{6CDD56F1-1412-477A-83BA-771D0B666737}" type="datetimeFigureOut">
               <a:rPr lang="ko-KR" altLang="en-US" smtClean="0"/>
-              <a:t>2024-07-02</a:t>
+              <a:t>2024-07-03</a:t>
             </a:fld>
             <a:endParaRPr lang="ko-KR" altLang="en-US"/>
           </a:p>
@@ -2206,7 +2206,7 @@
           <a:p>
             <a:fld id="{6CDD56F1-1412-477A-83BA-771D0B666737}" type="datetimeFigureOut">
               <a:rPr lang="ko-KR" altLang="en-US" smtClean="0"/>
-              <a:t>2024-07-02</a:t>
+              <a:t>2024-07-03</a:t>
             </a:fld>
             <a:endParaRPr lang="ko-KR" altLang="en-US"/>
           </a:p>
@@ -2319,7 +2319,7 @@
           <a:p>
             <a:fld id="{6CDD56F1-1412-477A-83BA-771D0B666737}" type="datetimeFigureOut">
               <a:rPr lang="ko-KR" altLang="en-US" smtClean="0"/>
-              <a:t>2024-07-02</a:t>
+              <a:t>2024-07-03</a:t>
             </a:fld>
             <a:endParaRPr lang="ko-KR" altLang="en-US"/>
           </a:p>
@@ -2630,7 +2630,7 @@
           <a:p>
             <a:fld id="{6CDD56F1-1412-477A-83BA-771D0B666737}" type="datetimeFigureOut">
               <a:rPr lang="ko-KR" altLang="en-US" smtClean="0"/>
-              <a:t>2024-07-02</a:t>
+              <a:t>2024-07-03</a:t>
             </a:fld>
             <a:endParaRPr lang="ko-KR" altLang="en-US"/>
           </a:p>
@@ -2918,7 +2918,7 @@
           <a:p>
             <a:fld id="{6CDD56F1-1412-477A-83BA-771D0B666737}" type="datetimeFigureOut">
               <a:rPr lang="ko-KR" altLang="en-US" smtClean="0"/>
-              <a:t>2024-07-02</a:t>
+              <a:t>2024-07-03</a:t>
             </a:fld>
             <a:endParaRPr lang="ko-KR" altLang="en-US"/>
           </a:p>
@@ -3159,7 +3159,7 @@
           <a:p>
             <a:fld id="{6CDD56F1-1412-477A-83BA-771D0B666737}" type="datetimeFigureOut">
               <a:rPr lang="ko-KR" altLang="en-US" smtClean="0"/>
-              <a:t>2024-07-02</a:t>
+              <a:t>2024-07-03</a:t>
             </a:fld>
             <a:endParaRPr lang="ko-KR" altLang="en-US"/>
           </a:p>
@@ -16067,8 +16067,8 @@
         </p:nvSpPr>
         <p:spPr>
           <a:xfrm>
-            <a:off x="2381684" y="3544117"/>
-            <a:ext cx="7428637" cy="584775"/>
+            <a:off x="2417756" y="3544117"/>
+            <a:ext cx="7356501" cy="584775"/>
           </a:xfrm>
           <a:prstGeom prst="rect">
             <a:avLst/>
@@ -16087,49 +16087,70 @@
                 <a:latin typeface="여기어때 잘난체 고딕" panose="00000500000000000000" pitchFamily="50" charset="-127"/>
                 <a:ea typeface="여기어때 잘난체 고딕" panose="00000500000000000000" pitchFamily="50" charset="-127"/>
               </a:rPr>
-              <a:t>데이터</a:t>
+              <a:t>데이터 분석은 </a:t>
             </a:r>
             <a:r>
               <a:rPr lang="en-US" altLang="ko-KR" sz="1600" dirty="0">
                 <a:latin typeface="여기어때 잘난체 고딕" panose="00000500000000000000" pitchFamily="50" charset="-127"/>
                 <a:ea typeface="여기어때 잘난체 고딕" panose="00000500000000000000" pitchFamily="50" charset="-127"/>
               </a:rPr>
-              <a:t> </a:t>
+              <a:t>‘</a:t>
             </a:r>
             <a:r>
               <a:rPr lang="ko-KR" altLang="en-US" sz="1600" dirty="0">
                 <a:latin typeface="여기어때 잘난체 고딕" panose="00000500000000000000" pitchFamily="50" charset="-127"/>
                 <a:ea typeface="여기어때 잘난체 고딕" panose="00000500000000000000" pitchFamily="50" charset="-127"/>
               </a:rPr>
-              <a:t>분석을 통해 </a:t>
+              <a:t>기술</a:t>
             </a:r>
             <a:r>
               <a:rPr lang="en-US" altLang="ko-KR" sz="1600" dirty="0">
                 <a:latin typeface="여기어때 잘난체 고딕" panose="00000500000000000000" pitchFamily="50" charset="-127"/>
                 <a:ea typeface="여기어때 잘난체 고딕" panose="00000500000000000000" pitchFamily="50" charset="-127"/>
               </a:rPr>
-              <a:t>00</a:t>
+              <a:t>’</a:t>
             </a:r>
             <a:r>
               <a:rPr lang="ko-KR" altLang="en-US" sz="1600" dirty="0">
                 <a:latin typeface="여기어때 잘난체 고딕" panose="00000500000000000000" pitchFamily="50" charset="-127"/>
                 <a:ea typeface="여기어때 잘난체 고딕" panose="00000500000000000000" pitchFamily="50" charset="-127"/>
               </a:rPr>
-              <a:t>을 실현하는 </a:t>
-            </a:r>
-            <a:r>
-              <a:rPr lang="ko-KR" altLang="en-US" sz="1600" dirty="0" err="1">
-                <a:latin typeface="여기어때 잘난체 고딕" panose="00000500000000000000" pitchFamily="50" charset="-127"/>
-                <a:ea typeface="여기어때 잘난체 고딕" panose="00000500000000000000" pitchFamily="50" charset="-127"/>
-              </a:rPr>
-              <a:t>데이터분석가입니다</a:t>
+              <a:t>이 아닌 </a:t>
             </a:r>
             <a:r>
               <a:rPr lang="en-US" altLang="ko-KR" sz="1600" dirty="0">
                 <a:latin typeface="여기어때 잘난체 고딕" panose="00000500000000000000" pitchFamily="50" charset="-127"/>
                 <a:ea typeface="여기어때 잘난체 고딕" panose="00000500000000000000" pitchFamily="50" charset="-127"/>
               </a:rPr>
-              <a:t>.</a:t>
+              <a:t>‘</a:t>
+            </a:r>
+            <a:r>
+              <a:rPr lang="ko-KR" altLang="en-US" sz="1600" dirty="0">
+                <a:latin typeface="여기어때 잘난체 고딕" panose="00000500000000000000" pitchFamily="50" charset="-127"/>
+                <a:ea typeface="여기어때 잘난체 고딕" panose="00000500000000000000" pitchFamily="50" charset="-127"/>
+              </a:rPr>
+              <a:t>관점</a:t>
+            </a:r>
+            <a:r>
+              <a:rPr lang="en-US" altLang="ko-KR" sz="1600" dirty="0">
+                <a:latin typeface="여기어때 잘난체 고딕" panose="00000500000000000000" pitchFamily="50" charset="-127"/>
+                <a:ea typeface="여기어때 잘난체 고딕" panose="00000500000000000000" pitchFamily="50" charset="-127"/>
+              </a:rPr>
+              <a:t>’</a:t>
+            </a:r>
+            <a:r>
+              <a:rPr lang="ko-KR" altLang="en-US" sz="1600" dirty="0">
+                <a:latin typeface="여기어때 잘난체 고딕" panose="00000500000000000000" pitchFamily="50" charset="-127"/>
+                <a:ea typeface="여기어때 잘난체 고딕" panose="00000500000000000000" pitchFamily="50" charset="-127"/>
+              </a:rPr>
+              <a:t>이다</a:t>
+            </a:r>
+            <a:r>
+              <a:rPr lang="en-US" altLang="ko-KR" sz="1600" dirty="0">
+                <a:latin typeface="여기어때 잘난체 고딕" panose="00000500000000000000" pitchFamily="50" charset="-127"/>
+                <a:ea typeface="여기어때 잘난체 고딕" panose="00000500000000000000" pitchFamily="50" charset="-127"/>
+              </a:rPr>
+              <a:t>!</a:t>
             </a:r>
           </a:p>
           <a:p>
